--- a/Classification/Презентация1.pptx
+++ b/Classification/Презентация1.pptx
@@ -7,6 +7,7 @@
   <p:sldIdLst>
     <p:sldId id="256" r:id="rId2"/>
     <p:sldId id="257" r:id="rId3"/>
+    <p:sldId id="258" r:id="rId4"/>
   </p:sldIdLst>
   <p:sldSz cx="12192000" cy="6858000"/>
   <p:notesSz cx="6858000" cy="9144000"/>
@@ -105,6 +106,11 @@
       </a:defRPr>
     </a:lvl9pPr>
   </p:defaultTextStyle>
+  <p:extLst>
+    <p:ext uri="{EFAFB233-063F-42B5-8137-9DF3F51BA10A}">
+      <p15:sldGuideLst xmlns:p15="http://schemas.microsoft.com/office/powerpoint/2012/main"/>
+    </p:ext>
+  </p:extLst>
 </p:presentation>
 </file>
 
@@ -260,7 +266,7 @@
           <a:p>
             <a:fld id="{8C1E1FAD-7351-4908-963A-08EA8E4AB7A0}" type="datetimeFigureOut">
               <a:rPr lang="en-US" smtClean="0"/>
-              <a:t>5/13/22</a:t>
+              <a:t>5/13/2022</a:t>
             </a:fld>
             <a:endParaRPr lang="en-US"/>
           </a:p>
@@ -458,7 +464,7 @@
           <a:p>
             <a:fld id="{8C1E1FAD-7351-4908-963A-08EA8E4AB7A0}" type="datetimeFigureOut">
               <a:rPr lang="en-US" smtClean="0"/>
-              <a:t>5/13/22</a:t>
+              <a:t>5/13/2022</a:t>
             </a:fld>
             <a:endParaRPr lang="en-US"/>
           </a:p>
@@ -666,7 +672,7 @@
           <a:p>
             <a:fld id="{8C1E1FAD-7351-4908-963A-08EA8E4AB7A0}" type="datetimeFigureOut">
               <a:rPr lang="en-US" smtClean="0"/>
-              <a:t>5/13/22</a:t>
+              <a:t>5/13/2022</a:t>
             </a:fld>
             <a:endParaRPr lang="en-US"/>
           </a:p>
@@ -895,7 +901,7 @@
           <a:p>
             <a:fld id="{8C1E1FAD-7351-4908-963A-08EA8E4AB7A0}" type="datetimeFigureOut">
               <a:rPr lang="en-US" smtClean="0"/>
-              <a:t>5/13/22</a:t>
+              <a:t>5/13/2022</a:t>
             </a:fld>
             <a:endParaRPr lang="en-US"/>
           </a:p>
@@ -1172,7 +1178,7 @@
           <a:p>
             <a:fld id="{8C1E1FAD-7351-4908-963A-08EA8E4AB7A0}" type="datetimeFigureOut">
               <a:rPr lang="en-US" smtClean="0"/>
-              <a:t>5/13/22</a:t>
+              <a:t>5/13/2022</a:t>
             </a:fld>
             <a:endParaRPr lang="en-US"/>
           </a:p>
@@ -1437,7 +1443,7 @@
           <a:p>
             <a:fld id="{8C1E1FAD-7351-4908-963A-08EA8E4AB7A0}" type="datetimeFigureOut">
               <a:rPr lang="en-US" smtClean="0"/>
-              <a:t>5/13/22</a:t>
+              <a:t>5/13/2022</a:t>
             </a:fld>
             <a:endParaRPr lang="en-US"/>
           </a:p>
@@ -1853,7 +1859,7 @@
           <a:p>
             <a:fld id="{8C1E1FAD-7351-4908-963A-08EA8E4AB7A0}" type="datetimeFigureOut">
               <a:rPr lang="en-US" smtClean="0"/>
-              <a:t>5/13/22</a:t>
+              <a:t>5/13/2022</a:t>
             </a:fld>
             <a:endParaRPr lang="en-US"/>
           </a:p>
@@ -1999,7 +2005,7 @@
           <a:p>
             <a:fld id="{8C1E1FAD-7351-4908-963A-08EA8E4AB7A0}" type="datetimeFigureOut">
               <a:rPr lang="en-US" smtClean="0"/>
-              <a:t>5/13/22</a:t>
+              <a:t>5/13/2022</a:t>
             </a:fld>
             <a:endParaRPr lang="en-US"/>
           </a:p>
@@ -2112,7 +2118,7 @@
           <a:p>
             <a:fld id="{8C1E1FAD-7351-4908-963A-08EA8E4AB7A0}" type="datetimeFigureOut">
               <a:rPr lang="en-US" smtClean="0"/>
-              <a:t>5/13/22</a:t>
+              <a:t>5/13/2022</a:t>
             </a:fld>
             <a:endParaRPr lang="en-US"/>
           </a:p>
@@ -2427,7 +2433,7 @@
           <a:p>
             <a:fld id="{8C1E1FAD-7351-4908-963A-08EA8E4AB7A0}" type="datetimeFigureOut">
               <a:rPr lang="en-US" smtClean="0"/>
-              <a:t>5/13/22</a:t>
+              <a:t>5/13/2022</a:t>
             </a:fld>
             <a:endParaRPr lang="en-US"/>
           </a:p>
@@ -2720,7 +2726,7 @@
           <a:p>
             <a:fld id="{8C1E1FAD-7351-4908-963A-08EA8E4AB7A0}" type="datetimeFigureOut">
               <a:rPr lang="en-US" smtClean="0"/>
-              <a:t>5/13/22</a:t>
+              <a:t>5/13/2022</a:t>
             </a:fld>
             <a:endParaRPr lang="en-US"/>
           </a:p>
@@ -2959,7 +2965,7 @@
           <a:p>
             <a:fld id="{8C1E1FAD-7351-4908-963A-08EA8E4AB7A0}" type="datetimeFigureOut">
               <a:rPr lang="en-US" smtClean="0"/>
-              <a:t>5/13/22</a:t>
+              <a:t>5/13/2022</a:t>
             </a:fld>
             <a:endParaRPr lang="en-US"/>
           </a:p>
@@ -4392,6 +4398,89 @@
 </p:sld>
 </file>
 
+<file path=ppt/slides/slide3.xml><?xml version="1.0" encoding="utf-8"?>
+<p:sld xmlns:a="http://schemas.openxmlformats.org/drawingml/2006/main" xmlns:r="http://schemas.openxmlformats.org/officeDocument/2006/relationships" xmlns:p="http://schemas.openxmlformats.org/presentationml/2006/main">
+  <p:cSld>
+    <p:spTree>
+      <p:nvGrpSpPr>
+        <p:cNvPr id="1" name=""/>
+        <p:cNvGrpSpPr/>
+        <p:nvPr/>
+      </p:nvGrpSpPr>
+      <p:grpSpPr>
+        <a:xfrm>
+          <a:off x="0" y="0"/>
+          <a:ext cx="0" cy="0"/>
+          <a:chOff x="0" y="0"/>
+          <a:chExt cx="0" cy="0"/>
+        </a:xfrm>
+      </p:grpSpPr>
+      <p:sp>
+        <p:nvSpPr>
+          <p:cNvPr id="2" name="Заголовок 1">
+            <a:extLst>
+              <a:ext uri="{FF2B5EF4-FFF2-40B4-BE49-F238E27FC236}">
+                <a16:creationId xmlns:a16="http://schemas.microsoft.com/office/drawing/2014/main" id="{669707D6-4432-2C47-50AB-2039671295A9}"/>
+              </a:ext>
+            </a:extLst>
+          </p:cNvPr>
+          <p:cNvSpPr>
+            <a:spLocks noGrp="1"/>
+          </p:cNvSpPr>
+          <p:nvPr>
+            <p:ph type="title"/>
+          </p:nvPr>
+        </p:nvSpPr>
+        <p:spPr/>
+        <p:txBody>
+          <a:bodyPr/>
+          <a:lstStyle/>
+          <a:p>
+            <a:r>
+              <a:rPr lang="ru-RU" dirty="0"/>
+              <a:t>Привет!</a:t>
+            </a:r>
+          </a:p>
+        </p:txBody>
+      </p:sp>
+      <p:sp>
+        <p:nvSpPr>
+          <p:cNvPr id="3" name="Объект 2">
+            <a:extLst>
+              <a:ext uri="{FF2B5EF4-FFF2-40B4-BE49-F238E27FC236}">
+                <a16:creationId xmlns:a16="http://schemas.microsoft.com/office/drawing/2014/main" id="{7B01085C-7142-6668-76B1-49F322ADA293}"/>
+              </a:ext>
+            </a:extLst>
+          </p:cNvPr>
+          <p:cNvSpPr>
+            <a:spLocks noGrp="1"/>
+          </p:cNvSpPr>
+          <p:nvPr>
+            <p:ph idx="1"/>
+          </p:nvPr>
+        </p:nvSpPr>
+        <p:spPr/>
+        <p:txBody>
+          <a:bodyPr/>
+          <a:lstStyle/>
+          <a:p>
+            <a:endParaRPr lang="ru-RU" dirty="0"/>
+          </a:p>
+        </p:txBody>
+      </p:sp>
+    </p:spTree>
+    <p:extLst>
+      <p:ext uri="{BB962C8B-B14F-4D97-AF65-F5344CB8AC3E}">
+        <p14:creationId xmlns:p14="http://schemas.microsoft.com/office/powerpoint/2010/main" val="2686141337"/>
+      </p:ext>
+    </p:extLst>
+  </p:cSld>
+  <p:clrMapOvr>
+    <a:masterClrMapping/>
+  </p:clrMapOvr>
+</p:sld>
+</file>
+
 <file path=ppt/theme/theme1.xml><?xml version="1.0" encoding="utf-8"?>
 <a:theme xmlns:a="http://schemas.openxmlformats.org/drawingml/2006/main" name="StreetscapeVTI">
   <a:themeElements>

--- a/Classification/Презентация1.pptx
+++ b/Classification/Презентация1.pptx
@@ -105,6 +105,11 @@
       </a:defRPr>
     </a:lvl9pPr>
   </p:defaultTextStyle>
+  <p:extLst>
+    <p:ext uri="{EFAFB233-063F-42B5-8137-9DF3F51BA10A}">
+      <p15:sldGuideLst xmlns:p15="http://schemas.microsoft.com/office/powerpoint/2012/main"/>
+    </p:ext>
+  </p:extLst>
 </p:presentation>
 </file>
 
@@ -4331,10 +4336,60 @@
       </p:grpSpPr>
       <p:sp>
         <p:nvSpPr>
-          <p:cNvPr id="2" name="Заголовок 1">
-            <a:extLst>
-              <a:ext uri="{FF2B5EF4-FFF2-40B4-BE49-F238E27FC236}">
-                <a16:creationId xmlns:a16="http://schemas.microsoft.com/office/drawing/2014/main" id="{289F158A-412C-E72E-0093-A1E061ECCF5B}"/>
+          <p:cNvPr id="5" name="Объект 4">
+            <a:extLst>
+              <a:ext uri="{FF2B5EF4-FFF2-40B4-BE49-F238E27FC236}">
+                <a16:creationId xmlns:a16="http://schemas.microsoft.com/office/drawing/2014/main" id="{B2901BCB-A32E-E587-B02B-927358766F87}"/>
+              </a:ext>
+            </a:extLst>
+          </p:cNvPr>
+          <p:cNvSpPr>
+            <a:spLocks noGrp="1"/>
+          </p:cNvSpPr>
+          <p:nvPr>
+            <p:ph idx="1"/>
+          </p:nvPr>
+        </p:nvSpPr>
+        <p:spPr/>
+        <p:txBody>
+          <a:bodyPr/>
+          <a:lstStyle/>
+          <a:p>
+            <a:endParaRPr lang="ru-RU" dirty="0"/>
+          </a:p>
+        </p:txBody>
+      </p:sp>
+      <p:sp>
+        <p:nvSpPr>
+          <p:cNvPr id="6" name="Текст 5">
+            <a:extLst>
+              <a:ext uri="{FF2B5EF4-FFF2-40B4-BE49-F238E27FC236}">
+                <a16:creationId xmlns:a16="http://schemas.microsoft.com/office/drawing/2014/main" id="{6FDE91B5-D27C-C111-1BB8-39E4DD565E81}"/>
+              </a:ext>
+            </a:extLst>
+          </p:cNvPr>
+          <p:cNvSpPr>
+            <a:spLocks noGrp="1"/>
+          </p:cNvSpPr>
+          <p:nvPr>
+            <p:ph type="body" sz="half" idx="2"/>
+          </p:nvPr>
+        </p:nvSpPr>
+        <p:spPr/>
+        <p:txBody>
+          <a:bodyPr/>
+          <a:lstStyle/>
+          <a:p>
+            <a:endParaRPr lang="ru-RU"/>
+          </a:p>
+        </p:txBody>
+      </p:sp>
+      <p:sp>
+        <p:nvSpPr>
+          <p:cNvPr id="8" name="Заголовок 7">
+            <a:extLst>
+              <a:ext uri="{FF2B5EF4-FFF2-40B4-BE49-F238E27FC236}">
+                <a16:creationId xmlns:a16="http://schemas.microsoft.com/office/drawing/2014/main" id="{3CC8C89F-1926-A764-79C3-301D6623EAF9}"/>
               </a:ext>
             </a:extLst>
           </p:cNvPr>
@@ -4350,31 +4405,10 @@
           <a:bodyPr/>
           <a:lstStyle/>
           <a:p>
-            <a:endParaRPr lang="ru-RU" dirty="0"/>
-          </a:p>
-        </p:txBody>
-      </p:sp>
-      <p:sp>
-        <p:nvSpPr>
-          <p:cNvPr id="3" name="Объект 2">
-            <a:extLst>
-              <a:ext uri="{FF2B5EF4-FFF2-40B4-BE49-F238E27FC236}">
-                <a16:creationId xmlns:a16="http://schemas.microsoft.com/office/drawing/2014/main" id="{8999C1D6-8FFF-0FB7-15DC-3110FD4939A6}"/>
-              </a:ext>
-            </a:extLst>
-          </p:cNvPr>
-          <p:cNvSpPr>
-            <a:spLocks noGrp="1"/>
-          </p:cNvSpPr>
-          <p:nvPr>
-            <p:ph idx="1"/>
-          </p:nvPr>
-        </p:nvSpPr>
-        <p:spPr/>
-        <p:txBody>
-          <a:bodyPr/>
-          <a:lstStyle/>
-          <a:p>
+            <a:r>
+              <a:rPr lang="en-US"/>
+              <a:t>s</a:t>
+            </a:r>
             <a:endParaRPr lang="ru-RU"/>
           </a:p>
         </p:txBody>
